--- a/Article/Note/가비아_면접_후기/img/img.pptx
+++ b/Article/Note/가비아_면접_후기/img/img.pptx
@@ -263,7 +263,7 @@
           <a:p>
             <a:fld id="{FB216E5E-292E-4BE6-8498-20B66BC66D34}" type="datetimeFigureOut">
               <a:rPr lang="ko-KR" altLang="en-US" smtClean="0"/>
-              <a:t>2020-11-08</a:t>
+              <a:t>2020-12-30</a:t>
             </a:fld>
             <a:endParaRPr lang="ko-KR" altLang="en-US"/>
           </a:p>
@@ -461,7 +461,7 @@
           <a:p>
             <a:fld id="{FB216E5E-292E-4BE6-8498-20B66BC66D34}" type="datetimeFigureOut">
               <a:rPr lang="ko-KR" altLang="en-US" smtClean="0"/>
-              <a:t>2020-11-08</a:t>
+              <a:t>2020-12-30</a:t>
             </a:fld>
             <a:endParaRPr lang="ko-KR" altLang="en-US"/>
           </a:p>
@@ -669,7 +669,7 @@
           <a:p>
             <a:fld id="{FB216E5E-292E-4BE6-8498-20B66BC66D34}" type="datetimeFigureOut">
               <a:rPr lang="ko-KR" altLang="en-US" smtClean="0"/>
-              <a:t>2020-11-08</a:t>
+              <a:t>2020-12-30</a:t>
             </a:fld>
             <a:endParaRPr lang="ko-KR" altLang="en-US"/>
           </a:p>
@@ -867,7 +867,7 @@
           <a:p>
             <a:fld id="{FB216E5E-292E-4BE6-8498-20B66BC66D34}" type="datetimeFigureOut">
               <a:rPr lang="ko-KR" altLang="en-US" smtClean="0"/>
-              <a:t>2020-11-08</a:t>
+              <a:t>2020-12-30</a:t>
             </a:fld>
             <a:endParaRPr lang="ko-KR" altLang="en-US"/>
           </a:p>
@@ -1142,7 +1142,7 @@
           <a:p>
             <a:fld id="{FB216E5E-292E-4BE6-8498-20B66BC66D34}" type="datetimeFigureOut">
               <a:rPr lang="ko-KR" altLang="en-US" smtClean="0"/>
-              <a:t>2020-11-08</a:t>
+              <a:t>2020-12-30</a:t>
             </a:fld>
             <a:endParaRPr lang="ko-KR" altLang="en-US"/>
           </a:p>
@@ -1407,7 +1407,7 @@
           <a:p>
             <a:fld id="{FB216E5E-292E-4BE6-8498-20B66BC66D34}" type="datetimeFigureOut">
               <a:rPr lang="ko-KR" altLang="en-US" smtClean="0"/>
-              <a:t>2020-11-08</a:t>
+              <a:t>2020-12-30</a:t>
             </a:fld>
             <a:endParaRPr lang="ko-KR" altLang="en-US"/>
           </a:p>
@@ -1819,7 +1819,7 @@
           <a:p>
             <a:fld id="{FB216E5E-292E-4BE6-8498-20B66BC66D34}" type="datetimeFigureOut">
               <a:rPr lang="ko-KR" altLang="en-US" smtClean="0"/>
-              <a:t>2020-11-08</a:t>
+              <a:t>2020-12-30</a:t>
             </a:fld>
             <a:endParaRPr lang="ko-KR" altLang="en-US"/>
           </a:p>
@@ -1960,7 +1960,7 @@
           <a:p>
             <a:fld id="{FB216E5E-292E-4BE6-8498-20B66BC66D34}" type="datetimeFigureOut">
               <a:rPr lang="ko-KR" altLang="en-US" smtClean="0"/>
-              <a:t>2020-11-08</a:t>
+              <a:t>2020-12-30</a:t>
             </a:fld>
             <a:endParaRPr lang="ko-KR" altLang="en-US"/>
           </a:p>
@@ -2073,7 +2073,7 @@
           <a:p>
             <a:fld id="{FB216E5E-292E-4BE6-8498-20B66BC66D34}" type="datetimeFigureOut">
               <a:rPr lang="ko-KR" altLang="en-US" smtClean="0"/>
-              <a:t>2020-11-08</a:t>
+              <a:t>2020-12-30</a:t>
             </a:fld>
             <a:endParaRPr lang="ko-KR" altLang="en-US"/>
           </a:p>
@@ -2384,7 +2384,7 @@
           <a:p>
             <a:fld id="{FB216E5E-292E-4BE6-8498-20B66BC66D34}" type="datetimeFigureOut">
               <a:rPr lang="ko-KR" altLang="en-US" smtClean="0"/>
-              <a:t>2020-11-08</a:t>
+              <a:t>2020-12-30</a:t>
             </a:fld>
             <a:endParaRPr lang="ko-KR" altLang="en-US"/>
           </a:p>
@@ -2672,7 +2672,7 @@
           <a:p>
             <a:fld id="{FB216E5E-292E-4BE6-8498-20B66BC66D34}" type="datetimeFigureOut">
               <a:rPr lang="ko-KR" altLang="en-US" smtClean="0"/>
-              <a:t>2020-11-08</a:t>
+              <a:t>2020-12-30</a:t>
             </a:fld>
             <a:endParaRPr lang="ko-KR" altLang="en-US"/>
           </a:p>
@@ -2913,7 +2913,7 @@
           <a:p>
             <a:fld id="{FB216E5E-292E-4BE6-8498-20B66BC66D34}" type="datetimeFigureOut">
               <a:rPr lang="ko-KR" altLang="en-US" smtClean="0"/>
-              <a:t>2020-11-08</a:t>
+              <a:t>2020-12-30</a:t>
             </a:fld>
             <a:endParaRPr lang="ko-KR" altLang="en-US"/>
           </a:p>
@@ -3882,6 +3882,60 @@
         <p:spPr>
           <a:xfrm>
             <a:off x="4721679" y="2382804"/>
+            <a:ext cx="459922" cy="275253"/>
+          </a:xfrm>
+          <a:prstGeom prst="rect">
+            <a:avLst/>
+          </a:prstGeom>
+          <a:solidFill>
+            <a:schemeClr val="bg1"/>
+          </a:solidFill>
+          <a:ln>
+            <a:solidFill>
+              <a:schemeClr val="tx1"/>
+            </a:solidFill>
+          </a:ln>
+        </p:spPr>
+        <p:style>
+          <a:lnRef idx="2">
+            <a:schemeClr val="accent1">
+              <a:shade val="50000"/>
+            </a:schemeClr>
+          </a:lnRef>
+          <a:fillRef idx="1">
+            <a:schemeClr val="accent1"/>
+          </a:fillRef>
+          <a:effectRef idx="0">
+            <a:schemeClr val="accent1"/>
+          </a:effectRef>
+          <a:fontRef idx="minor">
+            <a:schemeClr val="lt1"/>
+          </a:fontRef>
+        </p:style>
+        <p:txBody>
+          <a:bodyPr rtlCol="0" anchor="ctr"/>
+          <a:lstStyle/>
+          <a:p>
+            <a:pPr algn="ctr"/>
+            <a:endParaRPr lang="ko-KR" altLang="en-US"/>
+          </a:p>
+        </p:txBody>
+      </p:sp>
+      <p:sp>
+        <p:nvSpPr>
+          <p:cNvPr id="5" name="직사각형 4">
+            <a:extLst>
+              <a:ext uri="{FF2B5EF4-FFF2-40B4-BE49-F238E27FC236}">
+                <a16:creationId xmlns:a16="http://schemas.microsoft.com/office/drawing/2014/main" id="{79BB59F1-9FAE-4F42-AB0E-2D3F7F8EC00D}"/>
+              </a:ext>
+            </a:extLst>
+          </p:cNvPr>
+          <p:cNvSpPr/>
+          <p:nvPr/>
+        </p:nvSpPr>
+        <p:spPr>
+          <a:xfrm>
+            <a:off x="3891255" y="3181739"/>
             <a:ext cx="459922" cy="275253"/>
           </a:xfrm>
           <a:prstGeom prst="rect">
